--- a/Later/Java Creating Objects/Java Creating Objects.pptx
+++ b/Later/Java Creating Objects/Java Creating Objects.pptx
@@ -4316,13 +4316,8 @@
           <a:p>
             <a:r>
               <a:rPr lang="en-US" sz="1200" dirty="0" smtClean="0"/>
-              <a:t>Name = </a:t>
-            </a:r>
-            <a:r>
-              <a:rPr lang="en-US" sz="1200" dirty="0" smtClean="0"/>
-              <a:t>John</a:t>
-            </a:r>
-            <a:endParaRPr lang="en-US" sz="1200" dirty="0" smtClean="0"/>
+              <a:t>Name = John</a:t>
+            </a:r>
           </a:p>
           <a:p>
             <a:r>
@@ -4373,7 +4368,6 @@
               <a:rPr lang="en-US" sz="1200" dirty="0"/>
               <a:t>johnReferenceVariable</a:t>
             </a:r>
-            <a:endParaRPr lang="en-US" sz="1200" dirty="0"/>
           </a:p>
         </p:txBody>
       </p:sp>
@@ -4453,7 +4447,6 @@
               <a:rPr lang="en-US" sz="1200" dirty="0"/>
               <a:t>peterReferenceVariable</a:t>
             </a:r>
-            <a:endParaRPr lang="en-US" sz="1200" dirty="0"/>
           </a:p>
         </p:txBody>
       </p:sp>
@@ -4535,13 +4528,8 @@
           <a:p>
             <a:r>
               <a:rPr lang="en-US" sz="1200" dirty="0" smtClean="0"/>
-              <a:t>Name = </a:t>
-            </a:r>
-            <a:r>
-              <a:rPr lang="en-US" sz="1200" dirty="0" smtClean="0"/>
-              <a:t>Peter</a:t>
-            </a:r>
-            <a:endParaRPr lang="en-US" sz="1200" dirty="0" smtClean="0"/>
+              <a:t>Name = Peter</a:t>
+            </a:r>
           </a:p>
           <a:p>
             <a:r>
@@ -6502,21 +6490,17 @@
             </a:pPr>
             <a:r>
               <a:rPr lang="en-US" sz="1200" dirty="0"/>
-              <a:t>If you declare </a:t>
+              <a:t>If you declare  </a:t>
+            </a:r>
+            <a:r>
+              <a:rPr lang="en-US" sz="1200" b="1" dirty="0"/>
+              <a:t>johnReferenceVariable</a:t>
             </a:r>
             <a:r>
               <a:rPr lang="en-US" sz="1200" dirty="0"/>
               <a:t> </a:t>
             </a:r>
             <a:r>
-              <a:rPr lang="en-US" sz="1200" b="1" dirty="0"/>
-              <a:t>johnReferenceVariable</a:t>
-            </a:r>
-            <a:r>
-              <a:rPr lang="en-US" sz="1200" dirty="0"/>
-              <a:t> </a:t>
-            </a:r>
-            <a:r>
               <a:rPr lang="en-US" sz="1200" dirty="0" smtClean="0"/>
               <a:t>like </a:t>
             </a:r>
@@ -6546,11 +6530,7 @@
             </a:r>
             <a:r>
               <a:rPr lang="en-US" sz="1200" dirty="0"/>
-              <a:t> </a:t>
-            </a:r>
-            <a:r>
-              <a:rPr lang="en-US" sz="1200" dirty="0"/>
-              <a:t> before you use it in your code. Otherwise, you will get a compiler error.</a:t>
+              <a:t>  before you use it in your code. Otherwise, you will get a compiler error.</a:t>
             </a:r>
           </a:p>
           <a:p>
@@ -7110,15 +7090,7 @@
             </a:pPr>
             <a:r>
               <a:rPr lang="en-US" sz="1200" dirty="0"/>
-              <a:t>The </a:t>
-            </a:r>
-            <a:r>
-              <a:rPr lang="en-US" sz="1200" dirty="0"/>
-              <a:t>new</a:t>
-            </a:r>
-            <a:r>
-              <a:rPr lang="en-US" sz="1200" dirty="0"/>
-              <a:t> operator requires a single, postfix argument: a call to a constructor. The name of the constructor provides the name of the class to instantiate</a:t>
+              <a:t>The new operator requires a single, postfix argument: a call to a constructor. The name of the constructor provides the name of the class to instantiate</a:t>
             </a:r>
             <a:r>
               <a:rPr lang="en-US" sz="1200" dirty="0" smtClean="0"/>
@@ -7139,19 +7111,7 @@
             </a:pPr>
             <a:r>
               <a:rPr lang="en-US" sz="1200" dirty="0"/>
-              <a:t>The </a:t>
-            </a:r>
-            <a:r>
-              <a:rPr lang="en-US" sz="1200" dirty="0"/>
-              <a:t>new</a:t>
-            </a:r>
-            <a:r>
-              <a:rPr lang="en-US" sz="1200" dirty="0"/>
-              <a:t> operator returns a reference to the object it created. This reference is usually assigned to a variable of the appropriate type, like</a:t>
-            </a:r>
-            <a:r>
-              <a:rPr lang="en-US" sz="1200" dirty="0"/>
-              <a:t>:  Employee </a:t>
+              <a:t>The new operator returns a reference to the object it created. This reference is usually assigned to a variable of the appropriate type, like:  Employee </a:t>
             </a:r>
             <a:r>
               <a:rPr lang="en-US" sz="1200" b="1" dirty="0"/>
@@ -7575,21 +7535,29 @@
           <a:p>
             <a:r>
               <a:rPr lang="en-US" sz="1200" dirty="0"/>
-              <a:t>   private String name;</a:t>
-            </a:r>
-          </a:p>
-          <a:p>
+              <a:t>   </a:t>
+            </a:r>
+            <a:r>
+              <a:rPr lang="en-US" sz="1200" dirty="0" smtClean="0"/>
+              <a:t>String </a:t>
+            </a:r>
             <a:r>
               <a:rPr lang="en-US" sz="1200" dirty="0"/>
-              <a:t>   private </a:t>
-            </a:r>
+              <a:t>name;</a:t>
+            </a:r>
+          </a:p>
+          <a:p>
             <a:r>
               <a:rPr lang="en-US" sz="1200" dirty="0"/>
-              <a:t>int</a:t>
+              <a:t>   </a:t>
+            </a:r>
+            <a:r>
+              <a:rPr lang="en-US" sz="1200" dirty="0" smtClean="0"/>
+              <a:t>int </a:t>
             </a:r>
             <a:r>
               <a:rPr lang="en-US" sz="1200" dirty="0"/>
-              <a:t> age;</a:t>
+              <a:t>age;</a:t>
             </a:r>
           </a:p>
           <a:p>
@@ -7613,15 +7581,7 @@
           <a:p>
             <a:r>
               <a:rPr lang="en-US" sz="1200" b="1" dirty="0"/>
-              <a:t>   public Employee(String name, </a:t>
-            </a:r>
-            <a:r>
-              <a:rPr lang="en-US" sz="1200" b="1" dirty="0"/>
-              <a:t>int</a:t>
-            </a:r>
-            <a:r>
-              <a:rPr lang="en-US" sz="1200" b="1" dirty="0"/>
-              <a:t> age)</a:t>
+              <a:t>   public Employee(String name, int age)</a:t>
             </a:r>
           </a:p>
           <a:p>
@@ -7639,15 +7599,7 @@
           <a:p>
             <a:r>
               <a:rPr lang="en-US" sz="1200" b="1" dirty="0"/>
-              <a:t>	</a:t>
-            </a:r>
-            <a:r>
-              <a:rPr lang="en-US" sz="1200" b="1" dirty="0"/>
-              <a:t>this.age</a:t>
-            </a:r>
-            <a:r>
-              <a:rPr lang="en-US" sz="1200" b="1" dirty="0"/>
-              <a:t> = age;</a:t>
+              <a:t>	this.age = age;</a:t>
             </a:r>
           </a:p>
           <a:p>
@@ -7745,25 +7697,8 @@
             </a:r>
             <a:r>
               <a:rPr lang="en-US" sz="1200" dirty="0"/>
-              <a:t>. This default constructor calls the class parent's no-argument constructor, or the </a:t>
-            </a:r>
-            <a:r>
-              <a:rPr lang="en-US" sz="1200" dirty="0"/>
-              <a:t>Object</a:t>
-            </a:r>
-            <a:r>
-              <a:rPr lang="en-US" sz="1200" dirty="0"/>
-              <a:t> constructor if the class has no other parent. If the parent has no constructor (</a:t>
-            </a:r>
-            <a:r>
-              <a:rPr lang="en-US" sz="1200" dirty="0"/>
-              <a:t>Object</a:t>
-            </a:r>
-            <a:r>
-              <a:rPr lang="en-US" sz="1200" dirty="0"/>
-              <a:t> does have one), the compiler will reject the program.</a:t>
-            </a:r>
-            <a:endParaRPr lang="en-US" sz="1200" dirty="0"/>
+              <a:t>. This default constructor calls the class parent's no-argument constructor, or the Object constructor if the class has no other parent. If the parent has no constructor (Object does have one), the compiler will reject the program.</a:t>
+            </a:r>
           </a:p>
         </p:txBody>
       </p:sp>

--- a/Later/Java Creating Objects/Java Creating Objects.pptx
+++ b/Later/Java Creating Objects/Java Creating Objects.pptx
@@ -196,7 +196,7 @@
           <a:p>
             <a:fld id="{62274EC6-3890-417B-9308-14EFBD00FA63}" type="datetimeFigureOut">
               <a:rPr lang="en-US" smtClean="0"/>
-              <a:t>11/6/2015</a:t>
+              <a:t>11/16/2015</a:t>
             </a:fld>
             <a:endParaRPr lang="en-US" dirty="0"/>
           </a:p>
@@ -1091,7 +1091,7 @@
             <a:fld id="{1D8BD707-D9CF-40AE-B4C6-C98DA3205C09}" type="datetimeFigureOut">
               <a:rPr lang="en-US" smtClean="0"/>
               <a:pPr/>
-              <a:t>11/6/2015</a:t>
+              <a:t>11/16/2015</a:t>
             </a:fld>
             <a:endParaRPr lang="en-US" dirty="0"/>
           </a:p>
@@ -1263,7 +1263,7 @@
             <a:fld id="{1D8BD707-D9CF-40AE-B4C6-C98DA3205C09}" type="datetimeFigureOut">
               <a:rPr lang="en-US" smtClean="0"/>
               <a:pPr/>
-              <a:t>11/6/2015</a:t>
+              <a:t>11/16/2015</a:t>
             </a:fld>
             <a:endParaRPr lang="en-US" dirty="0"/>
           </a:p>
@@ -1445,7 +1445,7 @@
             <a:fld id="{1D8BD707-D9CF-40AE-B4C6-C98DA3205C09}" type="datetimeFigureOut">
               <a:rPr lang="en-US" smtClean="0"/>
               <a:pPr/>
-              <a:t>11/6/2015</a:t>
+              <a:t>11/16/2015</a:t>
             </a:fld>
             <a:endParaRPr lang="en-US" dirty="0"/>
           </a:p>
@@ -1617,7 +1617,7 @@
             <a:fld id="{1D8BD707-D9CF-40AE-B4C6-C98DA3205C09}" type="datetimeFigureOut">
               <a:rPr lang="en-US" smtClean="0"/>
               <a:pPr/>
-              <a:t>11/6/2015</a:t>
+              <a:t>11/16/2015</a:t>
             </a:fld>
             <a:endParaRPr lang="en-US" dirty="0"/>
           </a:p>
@@ -1865,7 +1865,7 @@
             <a:fld id="{1D8BD707-D9CF-40AE-B4C6-C98DA3205C09}" type="datetimeFigureOut">
               <a:rPr lang="en-US" smtClean="0"/>
               <a:pPr/>
-              <a:t>11/6/2015</a:t>
+              <a:t>11/16/2015</a:t>
             </a:fld>
             <a:endParaRPr lang="en-US" dirty="0"/>
           </a:p>
@@ -2155,7 +2155,7 @@
             <a:fld id="{1D8BD707-D9CF-40AE-B4C6-C98DA3205C09}" type="datetimeFigureOut">
               <a:rPr lang="en-US" smtClean="0"/>
               <a:pPr/>
-              <a:t>11/6/2015</a:t>
+              <a:t>11/16/2015</a:t>
             </a:fld>
             <a:endParaRPr lang="en-US" dirty="0"/>
           </a:p>
@@ -2584,7 +2584,7 @@
             <a:fld id="{1D8BD707-D9CF-40AE-B4C6-C98DA3205C09}" type="datetimeFigureOut">
               <a:rPr lang="en-US" smtClean="0"/>
               <a:pPr/>
-              <a:t>11/6/2015</a:t>
+              <a:t>11/16/2015</a:t>
             </a:fld>
             <a:endParaRPr lang="en-US" dirty="0"/>
           </a:p>
@@ -2704,7 +2704,7 @@
             <a:fld id="{1D8BD707-D9CF-40AE-B4C6-C98DA3205C09}" type="datetimeFigureOut">
               <a:rPr lang="en-US" smtClean="0"/>
               <a:pPr/>
-              <a:t>11/6/2015</a:t>
+              <a:t>11/16/2015</a:t>
             </a:fld>
             <a:endParaRPr lang="en-US" dirty="0"/>
           </a:p>
@@ -2801,7 +2801,7 @@
             <a:fld id="{1D8BD707-D9CF-40AE-B4C6-C98DA3205C09}" type="datetimeFigureOut">
               <a:rPr lang="en-US" smtClean="0"/>
               <a:pPr/>
-              <a:t>11/6/2015</a:t>
+              <a:t>11/16/2015</a:t>
             </a:fld>
             <a:endParaRPr lang="en-US" dirty="0"/>
           </a:p>
@@ -3080,7 +3080,7 @@
             <a:fld id="{1D8BD707-D9CF-40AE-B4C6-C98DA3205C09}" type="datetimeFigureOut">
               <a:rPr lang="en-US" smtClean="0"/>
               <a:pPr/>
-              <a:t>11/6/2015</a:t>
+              <a:t>11/16/2015</a:t>
             </a:fld>
             <a:endParaRPr lang="en-US" dirty="0"/>
           </a:p>
@@ -3335,7 +3335,7 @@
             <a:fld id="{1D8BD707-D9CF-40AE-B4C6-C98DA3205C09}" type="datetimeFigureOut">
               <a:rPr lang="en-US" smtClean="0"/>
               <a:pPr/>
-              <a:t>11/6/2015</a:t>
+              <a:t>11/16/2015</a:t>
             </a:fld>
             <a:endParaRPr lang="en-US" dirty="0"/>
           </a:p>
@@ -3550,7 +3550,7 @@
             <a:fld id="{1D8BD707-D9CF-40AE-B4C6-C98DA3205C09}" type="datetimeFigureOut">
               <a:rPr lang="en-US" smtClean="0"/>
               <a:pPr/>
-              <a:t>11/6/2015</a:t>
+              <a:t>11/16/2015</a:t>
             </a:fld>
             <a:endParaRPr lang="en-US" dirty="0"/>
           </a:p>
@@ -4745,6 +4745,47 @@
               <a:t>Employee Object</a:t>
             </a:r>
             <a:endParaRPr lang="en-US" sz="1200" dirty="0"/>
+          </a:p>
+        </p:txBody>
+      </p:sp>
+      <p:sp>
+        <p:nvSpPr>
+          <p:cNvPr id="8" name="Rectangle 7"/>
+          <p:cNvSpPr/>
+          <p:nvPr/>
+        </p:nvSpPr>
+        <p:spPr>
+          <a:xfrm>
+            <a:off x="211355" y="569511"/>
+            <a:ext cx="5447710" cy="369332"/>
+          </a:xfrm>
+          <a:prstGeom prst="rect">
+            <a:avLst/>
+          </a:prstGeom>
+        </p:spPr>
+        <p:txBody>
+          <a:bodyPr wrap="none">
+            <a:spAutoFit/>
+          </a:bodyPr>
+          <a:lstStyle/>
+          <a:p>
+            <a:r>
+              <a:rPr lang="en-US" dirty="0">
+                <a:hlinkClick r:id="rId3"/>
+              </a:rPr>
+              <a:t>http://</a:t>
+            </a:r>
+            <a:r>
+              <a:rPr lang="en-US" dirty="0" smtClean="0">
+                <a:hlinkClick r:id="rId3"/>
+              </a:rPr>
+              <a:t>www.javatpoint.com/this-keyword</a:t>
+            </a:r>
+            <a:r>
+              <a:rPr lang="en-US" dirty="0" smtClean="0"/>
+              <a:t>  - memory diff</a:t>
+            </a:r>
+            <a:endParaRPr lang="en-US" dirty="0"/>
           </a:p>
         </p:txBody>
       </p:sp>
